--- a/Mini Project/PPT/Healthcare Center Performance Analysis.pptx
+++ b/Mini Project/PPT/Healthcare Center Performance Analysis.pptx
@@ -4183,8 +4183,8 @@
         </p:nvSpPr>
         <p:spPr bwMode="auto">
           <a:xfrm>
-            <a:off x="962889" y="5183902"/>
-            <a:ext cx="3429000" cy="1198880"/>
+            <a:off x="475615" y="5184140"/>
+            <a:ext cx="8864600" cy="1198880"/>
           </a:xfrm>
           <a:prstGeom prst="rect">
             <a:avLst/>
@@ -4214,7 +4214,7 @@
           </a:extLst>
         </p:spPr>
         <p:txBody>
-          <a:bodyPr>
+          <a:bodyPr wrap="square">
             <a:spAutoFit/>
           </a:bodyPr>
           <a:lstStyle>
@@ -4385,46 +4385,14 @@
               <a:buNone/>
             </a:pPr>
             <a:r>
-              <a:rPr lang="en-IN" altLang="en-US" sz="2400" b="1" dirty="0" err="1">
+              <a:rPr sz="2400" b="1">
                 <a:solidFill>
                   <a:srgbClr val="FF0000"/>
                 </a:solidFill>
               </a:rPr>
-              <a:t>Dr.S</a:t>
-            </a:r>
-            <a:r>
-              <a:rPr lang="en-IN" altLang="en-US" sz="2400" b="1" dirty="0">
-                <a:solidFill>
-                  <a:srgbClr val="FF0000"/>
-                </a:solidFill>
-              </a:rPr>
-              <a:t>. </a:t>
-            </a:r>
-            <a:r>
-              <a:rPr lang="en-IN" altLang="en-US" sz="2400" b="1" dirty="0" err="1">
-                <a:solidFill>
-                  <a:srgbClr val="FF0000"/>
-                </a:solidFill>
-              </a:rPr>
-              <a:t>Vinod</a:t>
-            </a:r>
-            <a:r>
-              <a:rPr lang="en-US" altLang="en-IN" sz="2400" b="1" dirty="0" err="1">
-                <a:solidFill>
-                  <a:srgbClr val="FF0000"/>
-                </a:solidFill>
-              </a:rPr>
-              <a:t> K</a:t>
-            </a:r>
-            <a:r>
-              <a:rPr lang="en-IN" altLang="en-US" sz="2400" b="1" dirty="0" err="1">
-                <a:solidFill>
-                  <a:srgbClr val="FF0000"/>
-                </a:solidFill>
-              </a:rPr>
-              <a:t>umar</a:t>
-            </a:r>
-            <a:endParaRPr lang="en-IN" altLang="en-US" sz="2400" b="1" dirty="0">
+              <a:t>Dr.T.Kumaragurubaran., M.Tech., Ph.D AP(SG).,</a:t>
+            </a:r>
+            <a:endParaRPr sz="2400" b="1">
               <a:solidFill>
                 <a:srgbClr val="FF0000"/>
               </a:solidFill>
@@ -4480,7 +4448,7 @@
         </p:nvSpPr>
         <p:spPr bwMode="auto">
           <a:xfrm>
-            <a:off x="8701617" y="4639347"/>
+            <a:off x="8871162" y="4639347"/>
             <a:ext cx="4340986" cy="1938020"/>
           </a:xfrm>
           <a:prstGeom prst="rect">

--- a/Mini Project/PPT/Healthcare Center Performance Analysis.pptx
+++ b/Mini Project/PPT/Healthcare Center Performance Analysis.pptx
@@ -4733,7 +4733,7 @@
         </p:nvSpPr>
         <p:spPr>
           <a:xfrm>
-            <a:off x="708891" y="1213137"/>
+            <a:off x="708891" y="882937"/>
             <a:ext cx="10515600" cy="722457"/>
           </a:xfrm>
           <a:prstGeom prst="rect">
@@ -4794,7 +4794,7 @@
         </p:nvSpPr>
         <p:spPr>
           <a:xfrm>
-            <a:off x="838200" y="1745525"/>
+            <a:off x="838200" y="1605190"/>
             <a:ext cx="10515600" cy="722457"/>
           </a:xfrm>
           <a:prstGeom prst="rect">
@@ -4803,7 +4803,7 @@
         </p:spPr>
         <p:txBody>
           <a:bodyPr vert="horz" lIns="91440" tIns="45720" rIns="91440" bIns="45720" rtlCol="0" anchor="ctr">
-            <a:normAutofit/>
+            <a:noAutofit/>
           </a:bodyPr>
           <a:lstStyle>
             <a:lvl1pPr algn="ctr" defTabSz="914400" rtl="0" eaLnBrk="1" latinLnBrk="0" hangingPunct="1">
@@ -4825,8 +4825,9 @@
             </a:lvl1pPr>
           </a:lstStyle>
           <a:p>
-            <a:r>
-              <a:rPr lang="en-IN" sz="2800" b="1" dirty="0">
+            <a:pPr algn="ctr"/>
+            <a:r>
+              <a:rPr lang="en-US" altLang="en-IN" sz="1900" b="1" dirty="0">
                 <a:solidFill>
                   <a:srgbClr val="002060"/>
                 </a:solidFill>
@@ -4834,9 +4835,53 @@
                 <a:ea typeface="+mn-ea"/>
                 <a:cs typeface="+mn-cs"/>
               </a:rPr>
-              <a:t>CS19643 – FOUNDATIONS OF MACHINE LEARNING</a:t>
-            </a:r>
-            <a:endParaRPr lang="en-IN" sz="2800" b="1" dirty="0">
+              <a:t>GE19621 PROFESSIONAL READINESS FOR </a:t>
+            </a:r>
+            <a:endParaRPr lang="en-US" altLang="en-IN" sz="1900" b="1" dirty="0">
+              <a:solidFill>
+                <a:srgbClr val="002060"/>
+              </a:solidFill>
+              <a:latin typeface="Verdana" panose="020B0604030504040204" pitchFamily="34" charset="0"/>
+              <a:ea typeface="+mn-ea"/>
+              <a:cs typeface="+mn-cs"/>
+            </a:endParaRPr>
+          </a:p>
+          <a:p>
+            <a:pPr algn="ctr"/>
+            <a:r>
+              <a:rPr lang="en-US" altLang="en-IN" sz="1900" b="1" dirty="0">
+                <a:solidFill>
+                  <a:srgbClr val="002060"/>
+                </a:solidFill>
+                <a:latin typeface="Verdana" panose="020B0604030504040204" pitchFamily="34" charset="0"/>
+                <a:ea typeface="+mn-ea"/>
+                <a:cs typeface="+mn-cs"/>
+              </a:rPr>
+              <a:t>INNOVATION, EMPLOYABILITY AND </a:t>
+            </a:r>
+            <a:endParaRPr lang="en-US" altLang="en-IN" sz="1900" b="1" dirty="0">
+              <a:solidFill>
+                <a:srgbClr val="002060"/>
+              </a:solidFill>
+              <a:latin typeface="Verdana" panose="020B0604030504040204" pitchFamily="34" charset="0"/>
+              <a:ea typeface="+mn-ea"/>
+              <a:cs typeface="+mn-cs"/>
+            </a:endParaRPr>
+          </a:p>
+          <a:p>
+            <a:pPr algn="ctr"/>
+            <a:r>
+              <a:rPr lang="en-US" altLang="en-IN" sz="1900" b="1" dirty="0">
+                <a:solidFill>
+                  <a:srgbClr val="002060"/>
+                </a:solidFill>
+                <a:latin typeface="Verdana" panose="020B0604030504040204" pitchFamily="34" charset="0"/>
+                <a:ea typeface="+mn-ea"/>
+                <a:cs typeface="+mn-cs"/>
+              </a:rPr>
+              <a:t>ENREPRENEURSHIP</a:t>
+            </a:r>
+            <a:endParaRPr lang="en-US" altLang="en-IN" sz="1900" b="1" dirty="0">
               <a:solidFill>
                 <a:srgbClr val="002060"/>
               </a:solidFill>
